--- a/analysis/output/results/MVPA_ACC_01222020.pptx
+++ b/analysis/output/results/MVPA_ACC_01222020.pptx
@@ -17,6 +17,7 @@
     <p:sldId id="262" r:id="rId11"/>
     <p:sldId id="264" r:id="rId12"/>
     <p:sldId id="263" r:id="rId13"/>
+    <p:sldId id="268" r:id="rId14"/>
   </p:sldIdLst>
   <p:sldSz cx="12192000" cy="6858000"/>
   <p:notesSz cx="6858000" cy="9144000"/>
@@ -270,7 +271,7 @@
           <a:p>
             <a:fld id="{32EB3049-8953-754B-8147-D8DE64575211}" type="datetimeFigureOut">
               <a:rPr lang="en-US" smtClean="0"/>
-              <a:t>1/22/20</a:t>
+              <a:t>2/11/20</a:t>
             </a:fld>
             <a:endParaRPr lang="en-US"/>
           </a:p>
@@ -468,7 +469,7 @@
           <a:p>
             <a:fld id="{32EB3049-8953-754B-8147-D8DE64575211}" type="datetimeFigureOut">
               <a:rPr lang="en-US" smtClean="0"/>
-              <a:t>1/22/20</a:t>
+              <a:t>2/11/20</a:t>
             </a:fld>
             <a:endParaRPr lang="en-US"/>
           </a:p>
@@ -676,7 +677,7 @@
           <a:p>
             <a:fld id="{32EB3049-8953-754B-8147-D8DE64575211}" type="datetimeFigureOut">
               <a:rPr lang="en-US" smtClean="0"/>
-              <a:t>1/22/20</a:t>
+              <a:t>2/11/20</a:t>
             </a:fld>
             <a:endParaRPr lang="en-US"/>
           </a:p>
@@ -874,7 +875,7 @@
           <a:p>
             <a:fld id="{32EB3049-8953-754B-8147-D8DE64575211}" type="datetimeFigureOut">
               <a:rPr lang="en-US" smtClean="0"/>
-              <a:t>1/22/20</a:t>
+              <a:t>2/11/20</a:t>
             </a:fld>
             <a:endParaRPr lang="en-US"/>
           </a:p>
@@ -1149,7 +1150,7 @@
           <a:p>
             <a:fld id="{32EB3049-8953-754B-8147-D8DE64575211}" type="datetimeFigureOut">
               <a:rPr lang="en-US" smtClean="0"/>
-              <a:t>1/22/20</a:t>
+              <a:t>2/11/20</a:t>
             </a:fld>
             <a:endParaRPr lang="en-US"/>
           </a:p>
@@ -1414,7 +1415,7 @@
           <a:p>
             <a:fld id="{32EB3049-8953-754B-8147-D8DE64575211}" type="datetimeFigureOut">
               <a:rPr lang="en-US" smtClean="0"/>
-              <a:t>1/22/20</a:t>
+              <a:t>2/11/20</a:t>
             </a:fld>
             <a:endParaRPr lang="en-US"/>
           </a:p>
@@ -1826,7 +1827,7 @@
           <a:p>
             <a:fld id="{32EB3049-8953-754B-8147-D8DE64575211}" type="datetimeFigureOut">
               <a:rPr lang="en-US" smtClean="0"/>
-              <a:t>1/22/20</a:t>
+              <a:t>2/11/20</a:t>
             </a:fld>
             <a:endParaRPr lang="en-US"/>
           </a:p>
@@ -1967,7 +1968,7 @@
           <a:p>
             <a:fld id="{32EB3049-8953-754B-8147-D8DE64575211}" type="datetimeFigureOut">
               <a:rPr lang="en-US" smtClean="0"/>
-              <a:t>1/22/20</a:t>
+              <a:t>2/11/20</a:t>
             </a:fld>
             <a:endParaRPr lang="en-US"/>
           </a:p>
@@ -2080,7 +2081,7 @@
           <a:p>
             <a:fld id="{32EB3049-8953-754B-8147-D8DE64575211}" type="datetimeFigureOut">
               <a:rPr lang="en-US" smtClean="0"/>
-              <a:t>1/22/20</a:t>
+              <a:t>2/11/20</a:t>
             </a:fld>
             <a:endParaRPr lang="en-US"/>
           </a:p>
@@ -2391,7 +2392,7 @@
           <a:p>
             <a:fld id="{32EB3049-8953-754B-8147-D8DE64575211}" type="datetimeFigureOut">
               <a:rPr lang="en-US" smtClean="0"/>
-              <a:t>1/22/20</a:t>
+              <a:t>2/11/20</a:t>
             </a:fld>
             <a:endParaRPr lang="en-US"/>
           </a:p>
@@ -2679,7 +2680,7 @@
           <a:p>
             <a:fld id="{32EB3049-8953-754B-8147-D8DE64575211}" type="datetimeFigureOut">
               <a:rPr lang="en-US" smtClean="0"/>
-              <a:t>1/22/20</a:t>
+              <a:t>2/11/20</a:t>
             </a:fld>
             <a:endParaRPr lang="en-US"/>
           </a:p>
@@ -2920,7 +2921,7 @@
           <a:p>
             <a:fld id="{32EB3049-8953-754B-8147-D8DE64575211}" type="datetimeFigureOut">
               <a:rPr lang="en-US" smtClean="0"/>
-              <a:t>1/22/20</a:t>
+              <a:t>2/11/20</a:t>
             </a:fld>
             <a:endParaRPr lang="en-US"/>
           </a:p>
@@ -3775,6 +3776,89 @@
 </p:sld>
 </file>
 
+<file path=ppt/slides/slide13.xml><?xml version="1.0" encoding="utf-8"?>
+<p:sld xmlns:a="http://schemas.openxmlformats.org/drawingml/2006/main" xmlns:r="http://schemas.openxmlformats.org/officeDocument/2006/relationships" xmlns:p="http://schemas.openxmlformats.org/presentationml/2006/main">
+  <p:cSld>
+    <p:spTree>
+      <p:nvGrpSpPr>
+        <p:cNvPr id="1" name=""/>
+        <p:cNvGrpSpPr/>
+        <p:nvPr/>
+      </p:nvGrpSpPr>
+      <p:grpSpPr>
+        <a:xfrm>
+          <a:off x="0" y="0"/>
+          <a:ext cx="0" cy="0"/>
+          <a:chOff x="0" y="0"/>
+          <a:chExt cx="0" cy="0"/>
+        </a:xfrm>
+      </p:grpSpPr>
+      <p:sp>
+        <p:nvSpPr>
+          <p:cNvPr id="2" name="Title 1">
+            <a:extLst>
+              <a:ext uri="{FF2B5EF4-FFF2-40B4-BE49-F238E27FC236}">
+                <a16:creationId xmlns:a16="http://schemas.microsoft.com/office/drawing/2014/main" id="{FF4E668E-8128-7C45-B0E6-8B90F9372A2A}"/>
+              </a:ext>
+            </a:extLst>
+          </p:cNvPr>
+          <p:cNvSpPr>
+            <a:spLocks noGrp="1"/>
+          </p:cNvSpPr>
+          <p:nvPr>
+            <p:ph type="title"/>
+          </p:nvPr>
+        </p:nvSpPr>
+        <p:spPr/>
+        <p:txBody>
+          <a:bodyPr/>
+          <a:lstStyle/>
+          <a:p>
+            <a:r>
+              <a:rPr lang="en-US" dirty="0"/>
+              <a:t>Split time in half </a:t>
+            </a:r>
+          </a:p>
+        </p:txBody>
+      </p:sp>
+      <p:sp>
+        <p:nvSpPr>
+          <p:cNvPr id="3" name="Content Placeholder 2">
+            <a:extLst>
+              <a:ext uri="{FF2B5EF4-FFF2-40B4-BE49-F238E27FC236}">
+                <a16:creationId xmlns:a16="http://schemas.microsoft.com/office/drawing/2014/main" id="{E34F6B62-988E-E34F-B5BD-7FC299023B16}"/>
+              </a:ext>
+            </a:extLst>
+          </p:cNvPr>
+          <p:cNvSpPr>
+            <a:spLocks noGrp="1"/>
+          </p:cNvSpPr>
+          <p:nvPr>
+            <p:ph idx="1"/>
+          </p:nvPr>
+        </p:nvSpPr>
+        <p:spPr/>
+        <p:txBody>
+          <a:bodyPr/>
+          <a:lstStyle/>
+          <a:p>
+            <a:endParaRPr lang="en-US"/>
+          </a:p>
+        </p:txBody>
+      </p:sp>
+    </p:spTree>
+    <p:extLst>
+      <p:ext uri="{BB962C8B-B14F-4D97-AF65-F5344CB8AC3E}">
+        <p14:creationId xmlns:p14="http://schemas.microsoft.com/office/powerpoint/2010/main" val="1194319182"/>
+      </p:ext>
+    </p:extLst>
+  </p:cSld>
+  <p:clrMapOvr>
+    <a:masterClrMapping/>
+  </p:clrMapOvr>
+</p:sld>
+</file>
+
 <file path=ppt/slides/slide2.xml><?xml version="1.0" encoding="utf-8"?>
 <p:sld xmlns:a="http://schemas.openxmlformats.org/drawingml/2006/main" xmlns:r="http://schemas.openxmlformats.org/officeDocument/2006/relationships" xmlns:p="http://schemas.openxmlformats.org/presentationml/2006/main">
   <p:cSld>

--- a/analysis/output/results/MVPA_ACC_01222020.pptx
+++ b/analysis/output/results/MVPA_ACC_01222020.pptx
@@ -270,7 +270,7 @@
           <a:p>
             <a:fld id="{32EB3049-8953-754B-8147-D8DE64575211}" type="datetimeFigureOut">
               <a:rPr lang="en-US" smtClean="0"/>
-              <a:t>1/22/20</a:t>
+              <a:t>1/31/20</a:t>
             </a:fld>
             <a:endParaRPr lang="en-US"/>
           </a:p>
@@ -468,7 +468,7 @@
           <a:p>
             <a:fld id="{32EB3049-8953-754B-8147-D8DE64575211}" type="datetimeFigureOut">
               <a:rPr lang="en-US" smtClean="0"/>
-              <a:t>1/22/20</a:t>
+              <a:t>1/31/20</a:t>
             </a:fld>
             <a:endParaRPr lang="en-US"/>
           </a:p>
@@ -676,7 +676,7 @@
           <a:p>
             <a:fld id="{32EB3049-8953-754B-8147-D8DE64575211}" type="datetimeFigureOut">
               <a:rPr lang="en-US" smtClean="0"/>
-              <a:t>1/22/20</a:t>
+              <a:t>1/31/20</a:t>
             </a:fld>
             <a:endParaRPr lang="en-US"/>
           </a:p>
@@ -874,7 +874,7 @@
           <a:p>
             <a:fld id="{32EB3049-8953-754B-8147-D8DE64575211}" type="datetimeFigureOut">
               <a:rPr lang="en-US" smtClean="0"/>
-              <a:t>1/22/20</a:t>
+              <a:t>1/31/20</a:t>
             </a:fld>
             <a:endParaRPr lang="en-US"/>
           </a:p>
@@ -1149,7 +1149,7 @@
           <a:p>
             <a:fld id="{32EB3049-8953-754B-8147-D8DE64575211}" type="datetimeFigureOut">
               <a:rPr lang="en-US" smtClean="0"/>
-              <a:t>1/22/20</a:t>
+              <a:t>1/31/20</a:t>
             </a:fld>
             <a:endParaRPr lang="en-US"/>
           </a:p>
@@ -1414,7 +1414,7 @@
           <a:p>
             <a:fld id="{32EB3049-8953-754B-8147-D8DE64575211}" type="datetimeFigureOut">
               <a:rPr lang="en-US" smtClean="0"/>
-              <a:t>1/22/20</a:t>
+              <a:t>1/31/20</a:t>
             </a:fld>
             <a:endParaRPr lang="en-US"/>
           </a:p>
@@ -1826,7 +1826,7 @@
           <a:p>
             <a:fld id="{32EB3049-8953-754B-8147-D8DE64575211}" type="datetimeFigureOut">
               <a:rPr lang="en-US" smtClean="0"/>
-              <a:t>1/22/20</a:t>
+              <a:t>1/31/20</a:t>
             </a:fld>
             <a:endParaRPr lang="en-US"/>
           </a:p>
@@ -1967,7 +1967,7 @@
           <a:p>
             <a:fld id="{32EB3049-8953-754B-8147-D8DE64575211}" type="datetimeFigureOut">
               <a:rPr lang="en-US" smtClean="0"/>
-              <a:t>1/22/20</a:t>
+              <a:t>1/31/20</a:t>
             </a:fld>
             <a:endParaRPr lang="en-US"/>
           </a:p>
@@ -2080,7 +2080,7 @@
           <a:p>
             <a:fld id="{32EB3049-8953-754B-8147-D8DE64575211}" type="datetimeFigureOut">
               <a:rPr lang="en-US" smtClean="0"/>
-              <a:t>1/22/20</a:t>
+              <a:t>1/31/20</a:t>
             </a:fld>
             <a:endParaRPr lang="en-US"/>
           </a:p>
@@ -2391,7 +2391,7 @@
           <a:p>
             <a:fld id="{32EB3049-8953-754B-8147-D8DE64575211}" type="datetimeFigureOut">
               <a:rPr lang="en-US" smtClean="0"/>
-              <a:t>1/22/20</a:t>
+              <a:t>1/31/20</a:t>
             </a:fld>
             <a:endParaRPr lang="en-US"/>
           </a:p>
@@ -2679,7 +2679,7 @@
           <a:p>
             <a:fld id="{32EB3049-8953-754B-8147-D8DE64575211}" type="datetimeFigureOut">
               <a:rPr lang="en-US" smtClean="0"/>
-              <a:t>1/22/20</a:t>
+              <a:t>1/31/20</a:t>
             </a:fld>
             <a:endParaRPr lang="en-US"/>
           </a:p>
@@ -2920,7 +2920,7 @@
           <a:p>
             <a:fld id="{32EB3049-8953-754B-8147-D8DE64575211}" type="datetimeFigureOut">
               <a:rPr lang="en-US" smtClean="0"/>
-              <a:t>1/22/20</a:t>
+              <a:t>1/31/20</a:t>
             </a:fld>
             <a:endParaRPr lang="en-US"/>
           </a:p>
@@ -3684,17 +3684,17 @@
           <a:p>
             <a:r>
               <a:rPr lang="en-US" dirty="0"/>
-              <a:t>Leave out 1 day(testing set) 9 days (training set)</a:t>
+              <a:t>Leave out 1 day paired </a:t>
             </a:r>
           </a:p>
         </p:txBody>
       </p:sp>
       <p:pic>
         <p:nvPicPr>
-          <p:cNvPr id="5" name="Picture 4">
-            <a:extLst>
-              <a:ext uri="{FF2B5EF4-FFF2-40B4-BE49-F238E27FC236}">
-                <a16:creationId xmlns:a16="http://schemas.microsoft.com/office/drawing/2014/main" id="{9F0191ED-133D-AE4A-B0AB-3C03810EBCBF}"/>
+          <p:cNvPr id="4" name="Picture 3">
+            <a:extLst>
+              <a:ext uri="{FF2B5EF4-FFF2-40B4-BE49-F238E27FC236}">
+                <a16:creationId xmlns:a16="http://schemas.microsoft.com/office/drawing/2014/main" id="{2128F1C4-EA07-E84E-B6AD-69038C74C31C}"/>
               </a:ext>
             </a:extLst>
           </p:cNvPr>
@@ -3711,57 +3711,14 @@
         </p:blipFill>
         <p:spPr>
           <a:xfrm>
-            <a:off x="3806861" y="1413284"/>
-            <a:ext cx="7463890" cy="4847681"/>
+            <a:off x="4228607" y="1447510"/>
+            <a:ext cx="6921500" cy="4648200"/>
           </a:xfrm>
           <a:prstGeom prst="rect">
             <a:avLst/>
           </a:prstGeom>
         </p:spPr>
       </p:pic>
-      <p:sp>
-        <p:nvSpPr>
-          <p:cNvPr id="6" name="TextBox 5">
-            <a:extLst>
-              <a:ext uri="{FF2B5EF4-FFF2-40B4-BE49-F238E27FC236}">
-                <a16:creationId xmlns:a16="http://schemas.microsoft.com/office/drawing/2014/main" id="{D9DE8A23-5B92-6E49-8B27-AEC404F9E3A5}"/>
-              </a:ext>
-            </a:extLst>
-          </p:cNvPr>
-          <p:cNvSpPr txBox="1"/>
-          <p:nvPr/>
-        </p:nvSpPr>
-        <p:spPr>
-          <a:xfrm>
-            <a:off x="739741" y="2465798"/>
-            <a:ext cx="2260314" cy="646331"/>
-          </a:xfrm>
-          <a:prstGeom prst="rect">
-            <a:avLst/>
-          </a:prstGeom>
-          <a:noFill/>
-        </p:spPr>
-        <p:txBody>
-          <a:bodyPr wrap="square" rtlCol="0">
-            <a:spAutoFit/>
-          </a:bodyPr>
-          <a:lstStyle/>
-          <a:p>
-            <a:r>
-              <a:rPr lang="en-US" dirty="0"/>
-              <a:t>White space due to </a:t>
-            </a:r>
-            <a:r>
-              <a:rPr lang="en-US" dirty="0" err="1"/>
-              <a:t>NaNs</a:t>
-            </a:r>
-            <a:r>
-              <a:rPr lang="en-US" dirty="0"/>
-              <a:t> in training data</a:t>
-            </a:r>
-          </a:p>
-        </p:txBody>
-      </p:sp>
     </p:spTree>
     <p:extLst>
       <p:ext uri="{BB962C8B-B14F-4D97-AF65-F5344CB8AC3E}">
